--- a/Back to the basics, explaining design patterns with real life examples - Stragety & Template Method.pptx
+++ b/Back to the basics, explaining design patterns with real life examples - Stragety & Template Method.pptx
@@ -7,7 +7,7 @@
     <p:sldMasterId id="2147483698" r:id="rId3"/>
   </p:sldMasterIdLst>
   <p:notesMasterIdLst>
-    <p:notesMasterId r:id="rId25"/>
+    <p:notesMasterId r:id="rId24"/>
   </p:notesMasterIdLst>
   <p:sldIdLst>
     <p:sldId id="266" r:id="rId4"/>
@@ -30,7 +30,6 @@
     <p:sldId id="279" r:id="rId21"/>
     <p:sldId id="285" r:id="rId22"/>
     <p:sldId id="289" r:id="rId23"/>
-    <p:sldId id="290" r:id="rId24"/>
   </p:sldIdLst>
   <p:sldSz cx="24384000" cy="13716000"/>
   <p:notesSz cx="6858000" cy="9144000"/>
@@ -1236,7 +1235,7 @@
           <a:p>
             <a:fld id="{F3818F04-716F-4EA1-8D94-EE650D13863D}" type="datetimeFigureOut">
               <a:rPr lang="en-US" smtClean="0"/>
-              <a:t>7/19/2025</a:t>
+              <a:t>7/20/2025</a:t>
             </a:fld>
             <a:endParaRPr lang="en-US"/>
           </a:p>
@@ -2127,114 +2126,6 @@
 </p:notes>
 </file>
 
-<file path=ppt/notesSlides/notesSlide15.xml><?xml version="1.0" encoding="utf-8"?>
-<p:notes xmlns:a="http://schemas.openxmlformats.org/drawingml/2006/main" xmlns:r="http://schemas.openxmlformats.org/officeDocument/2006/relationships" xmlns:p="http://schemas.openxmlformats.org/presentationml/2006/main">
-  <p:cSld>
-    <p:spTree>
-      <p:nvGrpSpPr>
-        <p:cNvPr id="1" name="">
-          <a:extLst>
-            <a:ext uri="{FF2B5EF4-FFF2-40B4-BE49-F238E27FC236}">
-              <a16:creationId xmlns:a16="http://schemas.microsoft.com/office/drawing/2014/main" id="{5B928333-DEE2-00A9-F2DC-72737E43AA7D}"/>
-            </a:ext>
-          </a:extLst>
-        </p:cNvPr>
-        <p:cNvGrpSpPr/>
-        <p:nvPr/>
-      </p:nvGrpSpPr>
-      <p:grpSpPr>
-        <a:xfrm>
-          <a:off x="0" y="0"/>
-          <a:ext cx="0" cy="0"/>
-          <a:chOff x="0" y="0"/>
-          <a:chExt cx="0" cy="0"/>
-        </a:xfrm>
-      </p:grpSpPr>
-      <p:sp>
-        <p:nvSpPr>
-          <p:cNvPr id="2" name="Slide Image Placeholder 1">
-            <a:extLst>
-              <a:ext uri="{FF2B5EF4-FFF2-40B4-BE49-F238E27FC236}">
-                <a16:creationId xmlns:a16="http://schemas.microsoft.com/office/drawing/2014/main" id="{764DCD12-D09E-EB84-1319-ED47E6ADB443}"/>
-              </a:ext>
-            </a:extLst>
-          </p:cNvPr>
-          <p:cNvSpPr>
-            <a:spLocks noGrp="1" noRot="1" noChangeAspect="1"/>
-          </p:cNvSpPr>
-          <p:nvPr>
-            <p:ph type="sldImg"/>
-          </p:nvPr>
-        </p:nvSpPr>
-        <p:spPr/>
-      </p:sp>
-      <p:sp>
-        <p:nvSpPr>
-          <p:cNvPr id="3" name="Notes Placeholder 2">
-            <a:extLst>
-              <a:ext uri="{FF2B5EF4-FFF2-40B4-BE49-F238E27FC236}">
-                <a16:creationId xmlns:a16="http://schemas.microsoft.com/office/drawing/2014/main" id="{BC5A2E9D-6B6E-FAF5-526F-832158CFC3F3}"/>
-              </a:ext>
-            </a:extLst>
-          </p:cNvPr>
-          <p:cNvSpPr>
-            <a:spLocks noGrp="1"/>
-          </p:cNvSpPr>
-          <p:nvPr>
-            <p:ph type="body" idx="1"/>
-          </p:nvPr>
-        </p:nvSpPr>
-        <p:spPr/>
-        <p:txBody>
-          <a:bodyPr/>
-          <a:lstStyle/>
-          <a:p>
-            <a:endParaRPr lang="en-US" dirty="0"/>
-          </a:p>
-        </p:txBody>
-      </p:sp>
-      <p:sp>
-        <p:nvSpPr>
-          <p:cNvPr id="4" name="Slide Number Placeholder 3">
-            <a:extLst>
-              <a:ext uri="{FF2B5EF4-FFF2-40B4-BE49-F238E27FC236}">
-                <a16:creationId xmlns:a16="http://schemas.microsoft.com/office/drawing/2014/main" id="{996898A9-3417-2023-A654-9E4ED971D61B}"/>
-              </a:ext>
-            </a:extLst>
-          </p:cNvPr>
-          <p:cNvSpPr>
-            <a:spLocks noGrp="1"/>
-          </p:cNvSpPr>
-          <p:nvPr>
-            <p:ph type="sldNum" sz="quarter" idx="5"/>
-          </p:nvPr>
-        </p:nvSpPr>
-        <p:spPr/>
-        <p:txBody>
-          <a:bodyPr/>
-          <a:lstStyle/>
-          <a:p>
-            <a:fld id="{032F2F96-FB4F-4FE3-9775-2EE627221D70}" type="slidenum">
-              <a:rPr lang="en-US" smtClean="0"/>
-              <a:t>21</a:t>
-            </a:fld>
-            <a:endParaRPr lang="en-US"/>
-          </a:p>
-        </p:txBody>
-      </p:sp>
-    </p:spTree>
-    <p:extLst>
-      <p:ext uri="{BB962C8B-B14F-4D97-AF65-F5344CB8AC3E}">
-        <p14:creationId xmlns:p14="http://schemas.microsoft.com/office/powerpoint/2010/main" val="682668962"/>
-      </p:ext>
-    </p:extLst>
-  </p:cSld>
-  <p:clrMapOvr>
-    <a:masterClrMapping/>
-  </p:clrMapOvr>
-</p:notes>
-</file>
-
 <file path=ppt/notesSlides/notesSlide2.xml><?xml version="1.0" encoding="utf-8"?>
 <p:notes xmlns:a="http://schemas.openxmlformats.org/drawingml/2006/main" xmlns:r="http://schemas.openxmlformats.org/officeDocument/2006/relationships" xmlns:p="http://schemas.openxmlformats.org/presentationml/2006/main">
   <p:cSld>
@@ -3219,7 +3110,7 @@
           </a:ln>
           <a:extLst>
             <a:ext uri="{C572A759-6A51-4108-AA02-DFA0A04FC94B}">
-              <ma14:wrappingTextBoxFlag xmlns:m="http://schemas.openxmlformats.org/officeDocument/2006/math" xmlns:a14="http://schemas.microsoft.com/office/drawing/2010/main" xmlns:ma14="http://schemas.microsoft.com/office/mac/drawingml/2011/main" xmlns="" val="1"/>
+              <ma14:wrappingTextBoxFlag xmlns="" xmlns:ma14="http://schemas.microsoft.com/office/mac/drawingml/2011/main" xmlns:a14="http://schemas.microsoft.com/office/drawing/2010/main" xmlns:m="http://schemas.openxmlformats.org/officeDocument/2006/math" val="1"/>
             </a:ext>
           </a:extLst>
         </p:spPr>
@@ -3337,7 +3228,7 @@
           </a:ln>
           <a:extLst>
             <a:ext uri="{C572A759-6A51-4108-AA02-DFA0A04FC94B}">
-              <ma14:wrappingTextBoxFlag xmlns:m="http://schemas.openxmlformats.org/officeDocument/2006/math" xmlns:a14="http://schemas.microsoft.com/office/drawing/2010/main" xmlns:ma14="http://schemas.microsoft.com/office/mac/drawingml/2011/main" xmlns="" val="1"/>
+              <ma14:wrappingTextBoxFlag xmlns="" xmlns:ma14="http://schemas.microsoft.com/office/mac/drawingml/2011/main" xmlns:a14="http://schemas.microsoft.com/office/drawing/2010/main" xmlns:m="http://schemas.openxmlformats.org/officeDocument/2006/math" val="1"/>
             </a:ext>
           </a:extLst>
         </p:spPr>
@@ -3443,7 +3334,7 @@
           </a:ln>
           <a:extLst>
             <a:ext uri="{C572A759-6A51-4108-AA02-DFA0A04FC94B}">
-              <ma14:wrappingTextBoxFlag xmlns:ma14="http://schemas.microsoft.com/office/mac/drawingml/2011/main" xmlns:a14="http://schemas.microsoft.com/office/drawing/2010/main" xmlns:m="http://schemas.openxmlformats.org/officeDocument/2006/math" xmlns="" val="1"/>
+              <ma14:wrappingTextBoxFlag xmlns="" xmlns:m="http://schemas.openxmlformats.org/officeDocument/2006/math" xmlns:a14="http://schemas.microsoft.com/office/drawing/2010/main" xmlns:ma14="http://schemas.microsoft.com/office/mac/drawingml/2011/main" val="1"/>
             </a:ext>
           </a:extLst>
         </p:spPr>
@@ -3559,7 +3450,7 @@
           </a:ln>
           <a:extLst>
             <a:ext uri="{C572A759-6A51-4108-AA02-DFA0A04FC94B}">
-              <ma14:wrappingTextBoxFlag xmlns:ma14="http://schemas.microsoft.com/office/mac/drawingml/2011/main" xmlns:a14="http://schemas.microsoft.com/office/drawing/2010/main" xmlns:m="http://schemas.openxmlformats.org/officeDocument/2006/math" xmlns="" val="1"/>
+              <ma14:wrappingTextBoxFlag xmlns="" xmlns:m="http://schemas.openxmlformats.org/officeDocument/2006/math" xmlns:a14="http://schemas.microsoft.com/office/drawing/2010/main" xmlns:ma14="http://schemas.microsoft.com/office/mac/drawingml/2011/main" val="1"/>
             </a:ext>
           </a:extLst>
         </p:spPr>
@@ -4430,7 +4321,7 @@
           </a:ln>
           <a:extLst>
             <a:ext uri="{C572A759-6A51-4108-AA02-DFA0A04FC94B}">
-              <ma14:wrappingTextBoxFlag xmlns:m="http://schemas.openxmlformats.org/officeDocument/2006/math" xmlns:a14="http://schemas.microsoft.com/office/drawing/2010/main" xmlns:ma14="http://schemas.microsoft.com/office/mac/drawingml/2011/main" xmlns="" val="1"/>
+              <ma14:wrappingTextBoxFlag xmlns="" xmlns:ma14="http://schemas.microsoft.com/office/mac/drawingml/2011/main" xmlns:a14="http://schemas.microsoft.com/office/drawing/2010/main" xmlns:m="http://schemas.openxmlformats.org/officeDocument/2006/math" val="1"/>
             </a:ext>
           </a:extLst>
         </p:spPr>
@@ -4939,7 +4830,7 @@
           </a:ln>
           <a:extLst>
             <a:ext uri="{C572A759-6A51-4108-AA02-DFA0A04FC94B}">
-              <ma14:wrappingTextBoxFlag xmlns:m="http://schemas.openxmlformats.org/officeDocument/2006/math" xmlns:a14="http://schemas.microsoft.com/office/drawing/2010/main" xmlns:ma14="http://schemas.microsoft.com/office/mac/drawingml/2011/main" xmlns="" val="1"/>
+              <ma14:wrappingTextBoxFlag xmlns="" xmlns:ma14="http://schemas.microsoft.com/office/mac/drawingml/2011/main" xmlns:a14="http://schemas.microsoft.com/office/drawing/2010/main" xmlns:m="http://schemas.openxmlformats.org/officeDocument/2006/math" val="1"/>
             </a:ext>
           </a:extLst>
         </p:spPr>
@@ -5058,7 +4949,7 @@
           </a:ln>
           <a:extLst>
             <a:ext uri="{C572A759-6A51-4108-AA02-DFA0A04FC94B}">
-              <ma14:wrappingTextBoxFlag xmlns:m="http://schemas.openxmlformats.org/officeDocument/2006/math" xmlns:a14="http://schemas.microsoft.com/office/drawing/2010/main" xmlns:ma14="http://schemas.microsoft.com/office/mac/drawingml/2011/main" xmlns="" val="1"/>
+              <ma14:wrappingTextBoxFlag xmlns="" xmlns:ma14="http://schemas.microsoft.com/office/mac/drawingml/2011/main" xmlns:a14="http://schemas.microsoft.com/office/drawing/2010/main" xmlns:m="http://schemas.openxmlformats.org/officeDocument/2006/math" val="1"/>
             </a:ext>
           </a:extLst>
         </p:spPr>
@@ -5342,7 +5233,7 @@
           </a:ln>
           <a:extLst>
             <a:ext uri="{C572A759-6A51-4108-AA02-DFA0A04FC94B}">
-              <ma14:wrappingTextBoxFlag xmlns:m="http://schemas.openxmlformats.org/officeDocument/2006/math" xmlns:a14="http://schemas.microsoft.com/office/drawing/2010/main" xmlns:ma14="http://schemas.microsoft.com/office/mac/drawingml/2011/main" xmlns="" val="1"/>
+              <ma14:wrappingTextBoxFlag xmlns="" xmlns:ma14="http://schemas.microsoft.com/office/mac/drawingml/2011/main" xmlns:a14="http://schemas.microsoft.com/office/drawing/2010/main" xmlns:m="http://schemas.openxmlformats.org/officeDocument/2006/math" val="1"/>
             </a:ext>
           </a:extLst>
         </p:spPr>
@@ -5583,7 +5474,7 @@
           </a:ln>
           <a:extLst>
             <a:ext uri="{C572A759-6A51-4108-AA02-DFA0A04FC94B}">
-              <ma14:wrappingTextBoxFlag xmlns:m="http://schemas.openxmlformats.org/officeDocument/2006/math" xmlns:a14="http://schemas.microsoft.com/office/drawing/2010/main" xmlns:ma14="http://schemas.microsoft.com/office/mac/drawingml/2011/main" xmlns="" val="1"/>
+              <ma14:wrappingTextBoxFlag xmlns="" xmlns:ma14="http://schemas.microsoft.com/office/mac/drawingml/2011/main" xmlns:a14="http://schemas.microsoft.com/office/drawing/2010/main" xmlns:m="http://schemas.openxmlformats.org/officeDocument/2006/math" val="1"/>
             </a:ext>
           </a:extLst>
         </p:spPr>
@@ -5769,7 +5660,7 @@
           </a:ln>
           <a:extLst>
             <a:ext uri="{C572A759-6A51-4108-AA02-DFA0A04FC94B}">
-              <ma14:wrappingTextBoxFlag xmlns:m="http://schemas.openxmlformats.org/officeDocument/2006/math" xmlns:a14="http://schemas.microsoft.com/office/drawing/2010/main" xmlns:ma14="http://schemas.microsoft.com/office/mac/drawingml/2011/main" xmlns="" val="1"/>
+              <ma14:wrappingTextBoxFlag xmlns="" xmlns:ma14="http://schemas.microsoft.com/office/mac/drawingml/2011/main" xmlns:a14="http://schemas.microsoft.com/office/drawing/2010/main" xmlns:m="http://schemas.openxmlformats.org/officeDocument/2006/math" val="1"/>
             </a:ext>
           </a:extLst>
         </p:spPr>
@@ -5887,7 +5778,7 @@
           </a:ln>
           <a:extLst>
             <a:ext uri="{C572A759-6A51-4108-AA02-DFA0A04FC94B}">
-              <ma14:wrappingTextBoxFlag xmlns:m="http://schemas.openxmlformats.org/officeDocument/2006/math" xmlns:a14="http://schemas.microsoft.com/office/drawing/2010/main" xmlns:ma14="http://schemas.microsoft.com/office/mac/drawingml/2011/main" xmlns="" val="1"/>
+              <ma14:wrappingTextBoxFlag xmlns="" xmlns:ma14="http://schemas.microsoft.com/office/mac/drawingml/2011/main" xmlns:a14="http://schemas.microsoft.com/office/drawing/2010/main" xmlns:m="http://schemas.openxmlformats.org/officeDocument/2006/math" val="1"/>
             </a:ext>
           </a:extLst>
         </p:spPr>
@@ -5937,7 +5828,7 @@
           </a:ln>
           <a:extLst>
             <a:ext uri="{C572A759-6A51-4108-AA02-DFA0A04FC94B}">
-              <ma14:wrappingTextBoxFlag xmlns:m="http://schemas.openxmlformats.org/officeDocument/2006/math" xmlns:a14="http://schemas.microsoft.com/office/drawing/2010/main" xmlns:ma14="http://schemas.microsoft.com/office/mac/drawingml/2011/main" xmlns="" val="1"/>
+              <ma14:wrappingTextBoxFlag xmlns="" xmlns:ma14="http://schemas.microsoft.com/office/mac/drawingml/2011/main" xmlns:a14="http://schemas.microsoft.com/office/drawing/2010/main" xmlns:m="http://schemas.openxmlformats.org/officeDocument/2006/math" val="1"/>
             </a:ext>
           </a:extLst>
         </p:spPr>
@@ -6257,7 +6148,7 @@
           </a:ln>
           <a:extLst>
             <a:ext uri="{C572A759-6A51-4108-AA02-DFA0A04FC94B}">
-              <ma14:wrappingTextBoxFlag xmlns:m="http://schemas.openxmlformats.org/officeDocument/2006/math" xmlns:a14="http://schemas.microsoft.com/office/drawing/2010/main" xmlns:ma14="http://schemas.microsoft.com/office/mac/drawingml/2011/main" xmlns="" val="1"/>
+              <ma14:wrappingTextBoxFlag xmlns="" xmlns:ma14="http://schemas.microsoft.com/office/mac/drawingml/2011/main" xmlns:a14="http://schemas.microsoft.com/office/drawing/2010/main" xmlns:m="http://schemas.openxmlformats.org/officeDocument/2006/math" val="1"/>
             </a:ext>
           </a:extLst>
         </p:spPr>
@@ -6375,7 +6266,7 @@
           </a:ln>
           <a:extLst>
             <a:ext uri="{C572A759-6A51-4108-AA02-DFA0A04FC94B}">
-              <ma14:wrappingTextBoxFlag xmlns:m="http://schemas.openxmlformats.org/officeDocument/2006/math" xmlns:a14="http://schemas.microsoft.com/office/drawing/2010/main" xmlns:ma14="http://schemas.microsoft.com/office/mac/drawingml/2011/main" xmlns="" val="1"/>
+              <ma14:wrappingTextBoxFlag xmlns="" xmlns:ma14="http://schemas.microsoft.com/office/mac/drawingml/2011/main" xmlns:a14="http://schemas.microsoft.com/office/drawing/2010/main" xmlns:m="http://schemas.openxmlformats.org/officeDocument/2006/math" val="1"/>
             </a:ext>
           </a:extLst>
         </p:spPr>
@@ -6627,7 +6518,7 @@
           </a:ln>
           <a:extLst>
             <a:ext uri="{C572A759-6A51-4108-AA02-DFA0A04FC94B}">
-              <ma14:wrappingTextBoxFlag xmlns:m="http://schemas.openxmlformats.org/officeDocument/2006/math" xmlns:a14="http://schemas.microsoft.com/office/drawing/2010/main" xmlns:ma14="http://schemas.microsoft.com/office/mac/drawingml/2011/main" xmlns="" val="1"/>
+              <ma14:wrappingTextBoxFlag xmlns="" xmlns:ma14="http://schemas.microsoft.com/office/mac/drawingml/2011/main" xmlns:a14="http://schemas.microsoft.com/office/drawing/2010/main" xmlns:m="http://schemas.openxmlformats.org/officeDocument/2006/math" val="1"/>
             </a:ext>
           </a:extLst>
         </p:spPr>
@@ -6745,7 +6636,7 @@
           </a:ln>
           <a:extLst>
             <a:ext uri="{C572A759-6A51-4108-AA02-DFA0A04FC94B}">
-              <ma14:wrappingTextBoxFlag xmlns:m="http://schemas.openxmlformats.org/officeDocument/2006/math" xmlns:a14="http://schemas.microsoft.com/office/drawing/2010/main" xmlns:ma14="http://schemas.microsoft.com/office/mac/drawingml/2011/main" xmlns="" val="1"/>
+              <ma14:wrappingTextBoxFlag xmlns="" xmlns:ma14="http://schemas.microsoft.com/office/mac/drawingml/2011/main" xmlns:a14="http://schemas.microsoft.com/office/drawing/2010/main" xmlns:m="http://schemas.openxmlformats.org/officeDocument/2006/math" val="1"/>
             </a:ext>
           </a:extLst>
         </p:spPr>
@@ -6851,7 +6742,7 @@
           </a:ln>
           <a:extLst>
             <a:ext uri="{C572A759-6A51-4108-AA02-DFA0A04FC94B}">
-              <ma14:wrappingTextBoxFlag xmlns:ma14="http://schemas.microsoft.com/office/mac/drawingml/2011/main" xmlns:a14="http://schemas.microsoft.com/office/drawing/2010/main" xmlns:m="http://schemas.openxmlformats.org/officeDocument/2006/math" xmlns="" val="1"/>
+              <ma14:wrappingTextBoxFlag xmlns="" xmlns:m="http://schemas.openxmlformats.org/officeDocument/2006/math" xmlns:a14="http://schemas.microsoft.com/office/drawing/2010/main" xmlns:ma14="http://schemas.microsoft.com/office/mac/drawingml/2011/main" val="1"/>
             </a:ext>
           </a:extLst>
         </p:spPr>
@@ -7084,7 +6975,7 @@
           </a:ln>
           <a:extLst>
             <a:ext uri="{C572A759-6A51-4108-AA02-DFA0A04FC94B}">
-              <ma14:wrappingTextBoxFlag xmlns:ma14="http://schemas.microsoft.com/office/mac/drawingml/2011/main" xmlns:a14="http://schemas.microsoft.com/office/drawing/2010/main" xmlns:m="http://schemas.openxmlformats.org/officeDocument/2006/math" xmlns="" val="1"/>
+              <ma14:wrappingTextBoxFlag xmlns="" xmlns:m="http://schemas.openxmlformats.org/officeDocument/2006/math" xmlns:a14="http://schemas.microsoft.com/office/drawing/2010/main" xmlns:ma14="http://schemas.microsoft.com/office/mac/drawingml/2011/main" val="1"/>
             </a:ext>
           </a:extLst>
         </p:spPr>
@@ -7815,7 +7706,7 @@
           </a:ln>
           <a:extLst>
             <a:ext uri="{C572A759-6A51-4108-AA02-DFA0A04FC94B}">
-              <ma14:wrappingTextBoxFlag xmlns:m="http://schemas.openxmlformats.org/officeDocument/2006/math" xmlns:a14="http://schemas.microsoft.com/office/drawing/2010/main" xmlns:ma14="http://schemas.microsoft.com/office/mac/drawingml/2011/main" xmlns="" val="1"/>
+              <ma14:wrappingTextBoxFlag xmlns="" xmlns:ma14="http://schemas.microsoft.com/office/mac/drawingml/2011/main" xmlns:a14="http://schemas.microsoft.com/office/drawing/2010/main" xmlns:m="http://schemas.openxmlformats.org/officeDocument/2006/math" val="1"/>
             </a:ext>
           </a:extLst>
         </p:spPr>
@@ -8285,7 +8176,7 @@
           </a:ln>
           <a:extLst>
             <a:ext uri="{C572A759-6A51-4108-AA02-DFA0A04FC94B}">
-              <ma14:wrappingTextBoxFlag xmlns:m="http://schemas.openxmlformats.org/officeDocument/2006/math" xmlns:a14="http://schemas.microsoft.com/office/drawing/2010/main" xmlns:ma14="http://schemas.microsoft.com/office/mac/drawingml/2011/main" xmlns="" val="1"/>
+              <ma14:wrappingTextBoxFlag xmlns="" xmlns:ma14="http://schemas.microsoft.com/office/mac/drawingml/2011/main" xmlns:a14="http://schemas.microsoft.com/office/drawing/2010/main" xmlns:m="http://schemas.openxmlformats.org/officeDocument/2006/math" val="1"/>
             </a:ext>
           </a:extLst>
         </p:spPr>
@@ -8404,7 +8295,7 @@
           </a:ln>
           <a:extLst>
             <a:ext uri="{C572A759-6A51-4108-AA02-DFA0A04FC94B}">
-              <ma14:wrappingTextBoxFlag xmlns:m="http://schemas.openxmlformats.org/officeDocument/2006/math" xmlns:a14="http://schemas.microsoft.com/office/drawing/2010/main" xmlns:ma14="http://schemas.microsoft.com/office/mac/drawingml/2011/main" xmlns="" val="1"/>
+              <ma14:wrappingTextBoxFlag xmlns="" xmlns:ma14="http://schemas.microsoft.com/office/mac/drawingml/2011/main" xmlns:a14="http://schemas.microsoft.com/office/drawing/2010/main" xmlns:m="http://schemas.openxmlformats.org/officeDocument/2006/math" val="1"/>
             </a:ext>
           </a:extLst>
         </p:spPr>
@@ -8687,7 +8578,7 @@
           </a:ln>
           <a:extLst>
             <a:ext uri="{C572A759-6A51-4108-AA02-DFA0A04FC94B}">
-              <ma14:wrappingTextBoxFlag xmlns:m="http://schemas.openxmlformats.org/officeDocument/2006/math" xmlns:a14="http://schemas.microsoft.com/office/drawing/2010/main" xmlns:ma14="http://schemas.microsoft.com/office/mac/drawingml/2011/main" xmlns="" val="1"/>
+              <ma14:wrappingTextBoxFlag xmlns="" xmlns:ma14="http://schemas.microsoft.com/office/mac/drawingml/2011/main" xmlns:a14="http://schemas.microsoft.com/office/drawing/2010/main" xmlns:m="http://schemas.openxmlformats.org/officeDocument/2006/math" val="1"/>
             </a:ext>
           </a:extLst>
         </p:spPr>
@@ -8971,7 +8862,7 @@
           </a:ln>
           <a:extLst>
             <a:ext uri="{C572A759-6A51-4108-AA02-DFA0A04FC94B}">
-              <ma14:wrappingTextBoxFlag xmlns:m="http://schemas.openxmlformats.org/officeDocument/2006/math" xmlns:a14="http://schemas.microsoft.com/office/drawing/2010/main" xmlns:ma14="http://schemas.microsoft.com/office/mac/drawingml/2011/main" xmlns="" val="1"/>
+              <ma14:wrappingTextBoxFlag xmlns="" xmlns:ma14="http://schemas.microsoft.com/office/mac/drawingml/2011/main" xmlns:a14="http://schemas.microsoft.com/office/drawing/2010/main" xmlns:m="http://schemas.openxmlformats.org/officeDocument/2006/math" val="1"/>
             </a:ext>
           </a:extLst>
         </p:spPr>
@@ -9200,7 +9091,7 @@
           </a:ln>
           <a:extLst>
             <a:ext uri="{C572A759-6A51-4108-AA02-DFA0A04FC94B}">
-              <ma14:wrappingTextBoxFlag xmlns:m="http://schemas.openxmlformats.org/officeDocument/2006/math" xmlns:a14="http://schemas.microsoft.com/office/drawing/2010/main" xmlns:ma14="http://schemas.microsoft.com/office/mac/drawingml/2011/main" xmlns="" val="1"/>
+              <ma14:wrappingTextBoxFlag xmlns="" xmlns:ma14="http://schemas.microsoft.com/office/mac/drawingml/2011/main" xmlns:a14="http://schemas.microsoft.com/office/drawing/2010/main" xmlns:m="http://schemas.openxmlformats.org/officeDocument/2006/math" val="1"/>
             </a:ext>
           </a:extLst>
         </p:spPr>
@@ -9385,7 +9276,7 @@
           </a:ln>
           <a:extLst>
             <a:ext uri="{C572A759-6A51-4108-AA02-DFA0A04FC94B}">
-              <ma14:wrappingTextBoxFlag xmlns:m="http://schemas.openxmlformats.org/officeDocument/2006/math" xmlns:a14="http://schemas.microsoft.com/office/drawing/2010/main" xmlns:ma14="http://schemas.microsoft.com/office/mac/drawingml/2011/main" xmlns="" val="1"/>
+              <ma14:wrappingTextBoxFlag xmlns="" xmlns:ma14="http://schemas.microsoft.com/office/mac/drawingml/2011/main" xmlns:a14="http://schemas.microsoft.com/office/drawing/2010/main" xmlns:m="http://schemas.openxmlformats.org/officeDocument/2006/math" val="1"/>
             </a:ext>
           </a:extLst>
         </p:spPr>
@@ -9602,7 +9493,7 @@
           </a:ln>
           <a:extLst>
             <a:ext uri="{C572A759-6A51-4108-AA02-DFA0A04FC94B}">
-              <ma14:wrappingTextBoxFlag xmlns:m="http://schemas.openxmlformats.org/officeDocument/2006/math" xmlns:a14="http://schemas.microsoft.com/office/drawing/2010/main" xmlns:ma14="http://schemas.microsoft.com/office/mac/drawingml/2011/main" xmlns="" val="1"/>
+              <ma14:wrappingTextBoxFlag xmlns="" xmlns:ma14="http://schemas.microsoft.com/office/mac/drawingml/2011/main" xmlns:a14="http://schemas.microsoft.com/office/drawing/2010/main" xmlns:m="http://schemas.openxmlformats.org/officeDocument/2006/math" val="1"/>
             </a:ext>
           </a:extLst>
         </p:spPr>
@@ -9720,7 +9611,7 @@
           </a:ln>
           <a:extLst>
             <a:ext uri="{C572A759-6A51-4108-AA02-DFA0A04FC94B}">
-              <ma14:wrappingTextBoxFlag xmlns:m="http://schemas.openxmlformats.org/officeDocument/2006/math" xmlns:a14="http://schemas.microsoft.com/office/drawing/2010/main" xmlns:ma14="http://schemas.microsoft.com/office/mac/drawingml/2011/main" xmlns="" val="1"/>
+              <ma14:wrappingTextBoxFlag xmlns="" xmlns:ma14="http://schemas.microsoft.com/office/mac/drawingml/2011/main" xmlns:a14="http://schemas.microsoft.com/office/drawing/2010/main" xmlns:m="http://schemas.openxmlformats.org/officeDocument/2006/math" val="1"/>
             </a:ext>
           </a:extLst>
         </p:spPr>
@@ -9972,7 +9863,7 @@
           </a:ln>
           <a:extLst>
             <a:ext uri="{C572A759-6A51-4108-AA02-DFA0A04FC94B}">
-              <ma14:wrappingTextBoxFlag xmlns:m="http://schemas.openxmlformats.org/officeDocument/2006/math" xmlns:a14="http://schemas.microsoft.com/office/drawing/2010/main" xmlns:ma14="http://schemas.microsoft.com/office/mac/drawingml/2011/main" xmlns="" val="1"/>
+              <ma14:wrappingTextBoxFlag xmlns="" xmlns:ma14="http://schemas.microsoft.com/office/mac/drawingml/2011/main" xmlns:a14="http://schemas.microsoft.com/office/drawing/2010/main" xmlns:m="http://schemas.openxmlformats.org/officeDocument/2006/math" val="1"/>
             </a:ext>
           </a:extLst>
         </p:spPr>
@@ -10090,7 +9981,7 @@
           </a:ln>
           <a:extLst>
             <a:ext uri="{C572A759-6A51-4108-AA02-DFA0A04FC94B}">
-              <ma14:wrappingTextBoxFlag xmlns:m="http://schemas.openxmlformats.org/officeDocument/2006/math" xmlns:a14="http://schemas.microsoft.com/office/drawing/2010/main" xmlns:ma14="http://schemas.microsoft.com/office/mac/drawingml/2011/main" xmlns="" val="1"/>
+              <ma14:wrappingTextBoxFlag xmlns="" xmlns:ma14="http://schemas.microsoft.com/office/mac/drawingml/2011/main" xmlns:a14="http://schemas.microsoft.com/office/drawing/2010/main" xmlns:m="http://schemas.openxmlformats.org/officeDocument/2006/math" val="1"/>
             </a:ext>
           </a:extLst>
         </p:spPr>
@@ -10196,7 +10087,7 @@
           </a:ln>
           <a:extLst>
             <a:ext uri="{C572A759-6A51-4108-AA02-DFA0A04FC94B}">
-              <ma14:wrappingTextBoxFlag xmlns:ma14="http://schemas.microsoft.com/office/mac/drawingml/2011/main" xmlns:a14="http://schemas.microsoft.com/office/drawing/2010/main" xmlns:m="http://schemas.openxmlformats.org/officeDocument/2006/math" xmlns="" val="1"/>
+              <ma14:wrappingTextBoxFlag xmlns="" xmlns:m="http://schemas.openxmlformats.org/officeDocument/2006/math" xmlns:a14="http://schemas.microsoft.com/office/drawing/2010/main" xmlns:ma14="http://schemas.microsoft.com/office/mac/drawingml/2011/main" val="1"/>
             </a:ext>
           </a:extLst>
         </p:spPr>
@@ -10312,7 +10203,7 @@
           </a:ln>
           <a:extLst>
             <a:ext uri="{C572A759-6A51-4108-AA02-DFA0A04FC94B}">
-              <ma14:wrappingTextBoxFlag xmlns:ma14="http://schemas.microsoft.com/office/mac/drawingml/2011/main" xmlns:a14="http://schemas.microsoft.com/office/drawing/2010/main" xmlns:m="http://schemas.openxmlformats.org/officeDocument/2006/math" xmlns="" val="1"/>
+              <ma14:wrappingTextBoxFlag xmlns="" xmlns:m="http://schemas.openxmlformats.org/officeDocument/2006/math" xmlns:a14="http://schemas.microsoft.com/office/drawing/2010/main" xmlns:ma14="http://schemas.microsoft.com/office/mac/drawingml/2011/main" val="1"/>
             </a:ext>
           </a:extLst>
         </p:spPr>
@@ -10599,7 +10490,7 @@
           </a:ln>
           <a:extLst>
             <a:ext uri="{C572A759-6A51-4108-AA02-DFA0A04FC94B}">
-              <ma14:wrappingTextBoxFlag xmlns:m="http://schemas.openxmlformats.org/officeDocument/2006/math" xmlns:a14="http://schemas.microsoft.com/office/drawing/2010/main" xmlns:ma14="http://schemas.microsoft.com/office/mac/drawingml/2011/main" xmlns="" val="1"/>
+              <ma14:wrappingTextBoxFlag xmlns="" xmlns:ma14="http://schemas.microsoft.com/office/mac/drawingml/2011/main" xmlns:a14="http://schemas.microsoft.com/office/drawing/2010/main" xmlns:m="http://schemas.openxmlformats.org/officeDocument/2006/math" val="1"/>
             </a:ext>
           </a:extLst>
         </p:spPr>
@@ -10840,7 +10731,7 @@
           </a:ln>
           <a:extLst>
             <a:ext uri="{C572A759-6A51-4108-AA02-DFA0A04FC94B}">
-              <ma14:wrappingTextBoxFlag xmlns:m="http://schemas.openxmlformats.org/officeDocument/2006/math" xmlns:a14="http://schemas.microsoft.com/office/drawing/2010/main" xmlns:ma14="http://schemas.microsoft.com/office/mac/drawingml/2011/main" xmlns="" val="1"/>
+              <ma14:wrappingTextBoxFlag xmlns="" xmlns:ma14="http://schemas.microsoft.com/office/mac/drawingml/2011/main" xmlns:a14="http://schemas.microsoft.com/office/drawing/2010/main" xmlns:m="http://schemas.openxmlformats.org/officeDocument/2006/math" val="1"/>
             </a:ext>
           </a:extLst>
         </p:spPr>
@@ -11026,7 +10917,7 @@
           </a:ln>
           <a:extLst>
             <a:ext uri="{C572A759-6A51-4108-AA02-DFA0A04FC94B}">
-              <ma14:wrappingTextBoxFlag xmlns:m="http://schemas.openxmlformats.org/officeDocument/2006/math" xmlns:a14="http://schemas.microsoft.com/office/drawing/2010/main" xmlns:ma14="http://schemas.microsoft.com/office/mac/drawingml/2011/main" xmlns="" val="1"/>
+              <ma14:wrappingTextBoxFlag xmlns="" xmlns:ma14="http://schemas.microsoft.com/office/mac/drawingml/2011/main" xmlns:a14="http://schemas.microsoft.com/office/drawing/2010/main" xmlns:m="http://schemas.openxmlformats.org/officeDocument/2006/math" val="1"/>
             </a:ext>
           </a:extLst>
         </p:spPr>
@@ -11144,7 +11035,7 @@
           </a:ln>
           <a:extLst>
             <a:ext uri="{C572A759-6A51-4108-AA02-DFA0A04FC94B}">
-              <ma14:wrappingTextBoxFlag xmlns:m="http://schemas.openxmlformats.org/officeDocument/2006/math" xmlns:a14="http://schemas.microsoft.com/office/drawing/2010/main" xmlns:ma14="http://schemas.microsoft.com/office/mac/drawingml/2011/main" xmlns="" val="1"/>
+              <ma14:wrappingTextBoxFlag xmlns="" xmlns:ma14="http://schemas.microsoft.com/office/mac/drawingml/2011/main" xmlns:a14="http://schemas.microsoft.com/office/drawing/2010/main" xmlns:m="http://schemas.openxmlformats.org/officeDocument/2006/math" val="1"/>
             </a:ext>
           </a:extLst>
         </p:spPr>
@@ -11194,7 +11085,7 @@
           </a:ln>
           <a:extLst>
             <a:ext uri="{C572A759-6A51-4108-AA02-DFA0A04FC94B}">
-              <ma14:wrappingTextBoxFlag xmlns:m="http://schemas.openxmlformats.org/officeDocument/2006/math" xmlns:a14="http://schemas.microsoft.com/office/drawing/2010/main" xmlns:ma14="http://schemas.microsoft.com/office/mac/drawingml/2011/main" xmlns="" val="1"/>
+              <ma14:wrappingTextBoxFlag xmlns="" xmlns:ma14="http://schemas.microsoft.com/office/mac/drawingml/2011/main" xmlns:a14="http://schemas.microsoft.com/office/drawing/2010/main" xmlns:m="http://schemas.openxmlformats.org/officeDocument/2006/math" val="1"/>
             </a:ext>
           </a:extLst>
         </p:spPr>
@@ -11514,7 +11405,7 @@
           </a:ln>
           <a:extLst>
             <a:ext uri="{C572A759-6A51-4108-AA02-DFA0A04FC94B}">
-              <ma14:wrappingTextBoxFlag xmlns:m="http://schemas.openxmlformats.org/officeDocument/2006/math" xmlns:a14="http://schemas.microsoft.com/office/drawing/2010/main" xmlns:ma14="http://schemas.microsoft.com/office/mac/drawingml/2011/main" xmlns="" val="1"/>
+              <ma14:wrappingTextBoxFlag xmlns="" xmlns:ma14="http://schemas.microsoft.com/office/mac/drawingml/2011/main" xmlns:a14="http://schemas.microsoft.com/office/drawing/2010/main" xmlns:m="http://schemas.openxmlformats.org/officeDocument/2006/math" val="1"/>
             </a:ext>
           </a:extLst>
         </p:spPr>
@@ -11632,7 +11523,7 @@
           </a:ln>
           <a:extLst>
             <a:ext uri="{C572A759-6A51-4108-AA02-DFA0A04FC94B}">
-              <ma14:wrappingTextBoxFlag xmlns:m="http://schemas.openxmlformats.org/officeDocument/2006/math" xmlns:a14="http://schemas.microsoft.com/office/drawing/2010/main" xmlns:ma14="http://schemas.microsoft.com/office/mac/drawingml/2011/main" xmlns="" val="1"/>
+              <ma14:wrappingTextBoxFlag xmlns="" xmlns:ma14="http://schemas.microsoft.com/office/mac/drawingml/2011/main" xmlns:a14="http://schemas.microsoft.com/office/drawing/2010/main" xmlns:m="http://schemas.openxmlformats.org/officeDocument/2006/math" val="1"/>
             </a:ext>
           </a:extLst>
         </p:spPr>
@@ -11822,7 +11713,7 @@
           </a:ln>
           <a:extLst>
             <a:ext uri="{C572A759-6A51-4108-AA02-DFA0A04FC94B}">
-              <ma14:wrappingTextBoxFlag xmlns:m="http://schemas.openxmlformats.org/officeDocument/2006/math" xmlns:a14="http://schemas.microsoft.com/office/drawing/2010/main" xmlns:ma14="http://schemas.microsoft.com/office/mac/drawingml/2011/main" xmlns="" val="1"/>
+              <ma14:wrappingTextBoxFlag xmlns="" xmlns:ma14="http://schemas.microsoft.com/office/mac/drawingml/2011/main" xmlns:a14="http://schemas.microsoft.com/office/drawing/2010/main" xmlns:m="http://schemas.openxmlformats.org/officeDocument/2006/math" val="1"/>
             </a:ext>
           </a:extLst>
         </p:spPr>
@@ -11862,7 +11753,7 @@
           </a:ln>
           <a:extLst>
             <a:ext uri="{C572A759-6A51-4108-AA02-DFA0A04FC94B}">
-              <ma14:wrappingTextBoxFlag xmlns:m="http://schemas.openxmlformats.org/officeDocument/2006/math" xmlns:a14="http://schemas.microsoft.com/office/drawing/2010/main" xmlns:ma14="http://schemas.microsoft.com/office/mac/drawingml/2011/main" xmlns="" val="1"/>
+              <ma14:wrappingTextBoxFlag xmlns="" xmlns:ma14="http://schemas.microsoft.com/office/mac/drawingml/2011/main" xmlns:a14="http://schemas.microsoft.com/office/drawing/2010/main" xmlns:m="http://schemas.openxmlformats.org/officeDocument/2006/math" val="1"/>
             </a:ext>
           </a:extLst>
         </p:spPr>
@@ -12765,7 +12656,7 @@
           </a:ln>
           <a:extLst>
             <a:ext uri="{C572A759-6A51-4108-AA02-DFA0A04FC94B}">
-              <ma14:wrappingTextBoxFlag xmlns:m="http://schemas.openxmlformats.org/officeDocument/2006/math" xmlns:a14="http://schemas.microsoft.com/office/drawing/2010/main" xmlns:ma14="http://schemas.microsoft.com/office/mac/drawingml/2011/main" xmlns="" val="1"/>
+              <ma14:wrappingTextBoxFlag xmlns="" xmlns:ma14="http://schemas.microsoft.com/office/mac/drawingml/2011/main" xmlns:a14="http://schemas.microsoft.com/office/drawing/2010/main" xmlns:m="http://schemas.openxmlformats.org/officeDocument/2006/math" val="1"/>
             </a:ext>
           </a:extLst>
         </p:spPr>
@@ -12805,7 +12696,7 @@
           </a:ln>
           <a:extLst>
             <a:ext uri="{C572A759-6A51-4108-AA02-DFA0A04FC94B}">
-              <ma14:wrappingTextBoxFlag xmlns:m="http://schemas.openxmlformats.org/officeDocument/2006/math" xmlns:a14="http://schemas.microsoft.com/office/drawing/2010/main" xmlns:ma14="http://schemas.microsoft.com/office/mac/drawingml/2011/main" xmlns="" val="1"/>
+              <ma14:wrappingTextBoxFlag xmlns="" xmlns:ma14="http://schemas.microsoft.com/office/mac/drawingml/2011/main" xmlns:a14="http://schemas.microsoft.com/office/drawing/2010/main" xmlns:m="http://schemas.openxmlformats.org/officeDocument/2006/math" val="1"/>
             </a:ext>
           </a:extLst>
         </p:spPr>
@@ -13710,7 +13601,7 @@
           </a:ln>
           <a:extLst>
             <a:ext uri="{C572A759-6A51-4108-AA02-DFA0A04FC94B}">
-              <ma14:wrappingTextBoxFlag xmlns:m="http://schemas.openxmlformats.org/officeDocument/2006/math" xmlns:a14="http://schemas.microsoft.com/office/drawing/2010/main" xmlns:ma14="http://schemas.microsoft.com/office/mac/drawingml/2011/main" xmlns="" val="1"/>
+              <ma14:wrappingTextBoxFlag xmlns="" xmlns:ma14="http://schemas.microsoft.com/office/mac/drawingml/2011/main" xmlns:a14="http://schemas.microsoft.com/office/drawing/2010/main" xmlns:m="http://schemas.openxmlformats.org/officeDocument/2006/math" val="1"/>
             </a:ext>
           </a:extLst>
         </p:spPr>
@@ -13750,7 +13641,7 @@
           </a:ln>
           <a:extLst>
             <a:ext uri="{C572A759-6A51-4108-AA02-DFA0A04FC94B}">
-              <ma14:wrappingTextBoxFlag xmlns:m="http://schemas.openxmlformats.org/officeDocument/2006/math" xmlns:a14="http://schemas.microsoft.com/office/drawing/2010/main" xmlns:ma14="http://schemas.microsoft.com/office/mac/drawingml/2011/main" xmlns="" val="1"/>
+              <ma14:wrappingTextBoxFlag xmlns="" xmlns:ma14="http://schemas.microsoft.com/office/mac/drawingml/2011/main" xmlns:a14="http://schemas.microsoft.com/office/drawing/2010/main" xmlns:m="http://schemas.openxmlformats.org/officeDocument/2006/math" val="1"/>
             </a:ext>
           </a:extLst>
         </p:spPr>
@@ -14666,14 +14557,6 @@
               <a:rPr lang="en-US" dirty="0"/>
               <a:t>			Strategy &amp; Template Method</a:t>
             </a:r>
-            <a:r>
-              <a:rPr lang="en-US" dirty="0">
-                <a:solidFill>
-                  <a:srgbClr val="FF5640"/>
-                </a:solidFill>
-              </a:rPr>
-              <a:t>.</a:t>
-            </a:r>
             <a:endParaRPr dirty="0">
               <a:solidFill>
                 <a:srgbClr val="FF5640"/>
@@ -14747,7 +14630,7 @@
           </a:ln>
           <a:extLst>
             <a:ext uri="{C572A759-6A51-4108-AA02-DFA0A04FC94B}">
-              <ma14:wrappingTextBoxFlag xmlns:m="http://schemas.openxmlformats.org/officeDocument/2006/math" xmlns:a14="http://schemas.microsoft.com/office/drawing/2010/main" xmlns:ma14="http://schemas.microsoft.com/office/mac/drawingml/2011/main" xmlns="" val="1"/>
+              <ma14:wrappingTextBoxFlag xmlns="" xmlns:ma14="http://schemas.microsoft.com/office/mac/drawingml/2011/main" xmlns:a14="http://schemas.microsoft.com/office/drawing/2010/main" xmlns:m="http://schemas.openxmlformats.org/officeDocument/2006/math" val="1"/>
             </a:ext>
           </a:extLst>
         </p:spPr>
@@ -15097,7 +14980,7 @@
         <p:spPr>
           <a:xfrm>
             <a:off x="594360" y="1301046"/>
-            <a:ext cx="7520940" cy="779214"/>
+            <a:ext cx="9189720" cy="779214"/>
           </a:xfrm>
         </p:spPr>
         <p:txBody>
@@ -15499,12 +15382,12 @@
         <p:spPr>
           <a:xfrm>
             <a:off x="1006004" y="1626319"/>
-            <a:ext cx="9875356" cy="1402948"/>
+            <a:ext cx="12824296" cy="1402948"/>
           </a:xfrm>
         </p:spPr>
         <p:txBody>
           <a:bodyPr>
-            <a:normAutofit fontScale="90000"/>
+            <a:normAutofit/>
           </a:bodyPr>
           <a:lstStyle/>
           <a:p>
@@ -16172,12 +16055,12 @@
         <p:spPr>
           <a:xfrm>
             <a:off x="1006004" y="1623485"/>
-            <a:ext cx="8412316" cy="1402948"/>
+            <a:ext cx="12527116" cy="1402948"/>
           </a:xfrm>
         </p:spPr>
         <p:txBody>
           <a:bodyPr>
-            <a:normAutofit fontScale="90000"/>
+            <a:normAutofit/>
           </a:bodyPr>
           <a:lstStyle/>
           <a:p>
@@ -16455,10 +16338,10 @@
       </p:sp>
       <p:pic>
         <p:nvPicPr>
-          <p:cNvPr id="4" name="Picture 3" descr="A screenshot of a computer&#10;&#10;AI-generated content may be incorrect.">
+          <p:cNvPr id="3" name="Picture 2" descr="A screenshot of a computer&#10;&#10;AI-generated content may be incorrect.">
             <a:extLst>
               <a:ext uri="{FF2B5EF4-FFF2-40B4-BE49-F238E27FC236}">
-                <a16:creationId xmlns:a16="http://schemas.microsoft.com/office/drawing/2014/main" id="{45375E74-D70C-9B9C-3E98-D668F7D3C01C}"/>
+                <a16:creationId xmlns:a16="http://schemas.microsoft.com/office/drawing/2014/main" id="{CF7B346E-3620-B0D1-4A1A-2C85B23F17A2}"/>
               </a:ext>
             </a:extLst>
           </p:cNvPr>
@@ -16481,8 +16364,8 @@
         </p:blipFill>
         <p:spPr>
           <a:xfrm>
-            <a:off x="2434549" y="3392327"/>
-            <a:ext cx="19514901" cy="9010740"/>
+            <a:off x="2774392" y="3893436"/>
+            <a:ext cx="18835216" cy="8696904"/>
           </a:xfrm>
           <a:prstGeom prst="rect">
             <a:avLst/>
@@ -16545,7 +16428,7 @@
         <p:spPr>
           <a:xfrm>
             <a:off x="1006004" y="1621728"/>
-            <a:ext cx="17556316" cy="1402948"/>
+            <a:ext cx="18745036" cy="1402948"/>
           </a:xfrm>
         </p:spPr>
         <p:txBody>
@@ -16653,12 +16536,12 @@
         <p:spPr>
           <a:xfrm>
             <a:off x="1006004" y="1621728"/>
-            <a:ext cx="14195896" cy="1402948"/>
+            <a:ext cx="19225096" cy="1402948"/>
           </a:xfrm>
         </p:spPr>
         <p:txBody>
           <a:bodyPr>
-            <a:normAutofit fontScale="90000"/>
+            <a:normAutofit/>
           </a:bodyPr>
           <a:lstStyle/>
           <a:p>
@@ -17912,77 +17795,6 @@
 </p:sld>
 </file>
 
-<file path=ppt/slides/slide21.xml><?xml version="1.0" encoding="utf-8"?>
-<p:sld xmlns:a="http://schemas.openxmlformats.org/drawingml/2006/main" xmlns:r="http://schemas.openxmlformats.org/officeDocument/2006/relationships" xmlns:p="http://schemas.openxmlformats.org/presentationml/2006/main">
-  <p:cSld>
-    <p:spTree>
-      <p:nvGrpSpPr>
-        <p:cNvPr id="1" name="">
-          <a:extLst>
-            <a:ext uri="{FF2B5EF4-FFF2-40B4-BE49-F238E27FC236}">
-              <a16:creationId xmlns:a16="http://schemas.microsoft.com/office/drawing/2014/main" id="{B788128B-3B66-6525-8963-92655AFB8C77}"/>
-            </a:ext>
-          </a:extLst>
-        </p:cNvPr>
-        <p:cNvGrpSpPr/>
-        <p:nvPr/>
-      </p:nvGrpSpPr>
-      <p:grpSpPr>
-        <a:xfrm>
-          <a:off x="0" y="0"/>
-          <a:ext cx="0" cy="0"/>
-          <a:chOff x="0" y="0"/>
-          <a:chExt cx="0" cy="0"/>
-        </a:xfrm>
-      </p:grpSpPr>
-      <p:sp>
-        <p:nvSpPr>
-          <p:cNvPr id="3" name="Title 2">
-            <a:extLst>
-              <a:ext uri="{FF2B5EF4-FFF2-40B4-BE49-F238E27FC236}">
-                <a16:creationId xmlns:a16="http://schemas.microsoft.com/office/drawing/2014/main" id="{74061CB3-B102-B6C1-96E5-E6801DBFB608}"/>
-              </a:ext>
-            </a:extLst>
-          </p:cNvPr>
-          <p:cNvSpPr>
-            <a:spLocks noGrp="1"/>
-          </p:cNvSpPr>
-          <p:nvPr>
-            <p:ph type="title"/>
-          </p:nvPr>
-        </p:nvSpPr>
-        <p:spPr>
-          <a:xfrm>
-            <a:off x="2352898" y="5710018"/>
-            <a:ext cx="19678204" cy="5957990"/>
-          </a:xfrm>
-        </p:spPr>
-        <p:txBody>
-          <a:bodyPr/>
-          <a:lstStyle/>
-          <a:p>
-            <a:pPr algn="ctr"/>
-            <a:r>
-              <a:rPr lang="en-US" dirty="0"/>
-              <a:t>Bye</a:t>
-            </a:r>
-          </a:p>
-        </p:txBody>
-      </p:sp>
-    </p:spTree>
-    <p:extLst>
-      <p:ext uri="{BB962C8B-B14F-4D97-AF65-F5344CB8AC3E}">
-        <p14:creationId xmlns:p14="http://schemas.microsoft.com/office/powerpoint/2010/main" val="3438298875"/>
-      </p:ext>
-    </p:extLst>
-  </p:cSld>
-  <p:clrMapOvr>
-    <a:masterClrMapping/>
-  </p:clrMapOvr>
-  <p:transition spd="med"/>
-</p:sld>
-</file>
-
 <file path=ppt/slides/slide3.xml><?xml version="1.0" encoding="utf-8"?>
 <p:sld xmlns:a="http://schemas.openxmlformats.org/drawingml/2006/main" xmlns:r="http://schemas.openxmlformats.org/officeDocument/2006/relationships" xmlns:p="http://schemas.openxmlformats.org/presentationml/2006/main">
   <p:cSld>
@@ -18066,7 +17878,7 @@
           </a:ln>
           <a:extLst>
             <a:ext uri="{C572A759-6A51-4108-AA02-DFA0A04FC94B}">
-              <ma14:wrappingTextBoxFlag xmlns="" xmlns:ma14="http://schemas.microsoft.com/office/mac/drawingml/2011/main" xmlns:a14="http://schemas.microsoft.com/office/drawing/2010/main" xmlns:m="http://schemas.openxmlformats.org/officeDocument/2006/math" val="1"/>
+              <ma14:wrappingTextBoxFlag xmlns:m="http://schemas.openxmlformats.org/officeDocument/2006/math" xmlns:a14="http://schemas.microsoft.com/office/drawing/2010/main" xmlns:ma14="http://schemas.microsoft.com/office/mac/drawingml/2011/main" xmlns="" val="1"/>
             </a:ext>
           </a:extLst>
         </p:spPr>
@@ -18278,7 +18090,7 @@
         <p:spPr>
           <a:xfrm>
             <a:off x="1008184" y="2707833"/>
-            <a:ext cx="10557935" cy="1402948"/>
+            <a:ext cx="12342056" cy="1402948"/>
           </a:xfrm>
           <a:prstGeom prst="rect">
             <a:avLst/>
@@ -20227,7 +20039,7 @@
         <p:spPr>
           <a:xfrm>
             <a:off x="1188720" y="1463040"/>
-            <a:ext cx="9464040" cy="1440180"/>
+            <a:ext cx="11452860" cy="1440180"/>
           </a:xfrm>
         </p:spPr>
         <p:txBody>

--- a/Back to the basics, explaining design patterns with real life examples - Stragety & Template Method.pptx
+++ b/Back to the basics, explaining design patterns with real life examples - Stragety & Template Method.pptx
@@ -1235,7 +1235,7 @@
           <a:p>
             <a:fld id="{F3818F04-716F-4EA1-8D94-EE650D13863D}" type="datetimeFigureOut">
               <a:rPr lang="en-US" smtClean="0"/>
-              <a:t>7/20/2025</a:t>
+              <a:t>7/22/2025</a:t>
             </a:fld>
             <a:endParaRPr lang="en-US"/>
           </a:p>
@@ -3110,7 +3110,7 @@
           </a:ln>
           <a:extLst>
             <a:ext uri="{C572A759-6A51-4108-AA02-DFA0A04FC94B}">
-              <ma14:wrappingTextBoxFlag xmlns="" xmlns:ma14="http://schemas.microsoft.com/office/mac/drawingml/2011/main" xmlns:a14="http://schemas.microsoft.com/office/drawing/2010/main" xmlns:m="http://schemas.openxmlformats.org/officeDocument/2006/math" val="1"/>
+              <ma14:wrappingTextBoxFlag xmlns:m="http://schemas.openxmlformats.org/officeDocument/2006/math" xmlns:a14="http://schemas.microsoft.com/office/drawing/2010/main" xmlns:ma14="http://schemas.microsoft.com/office/mac/drawingml/2011/main" xmlns="" val="1"/>
             </a:ext>
           </a:extLst>
         </p:spPr>
@@ -3228,7 +3228,7 @@
           </a:ln>
           <a:extLst>
             <a:ext uri="{C572A759-6A51-4108-AA02-DFA0A04FC94B}">
-              <ma14:wrappingTextBoxFlag xmlns="" xmlns:ma14="http://schemas.microsoft.com/office/mac/drawingml/2011/main" xmlns:a14="http://schemas.microsoft.com/office/drawing/2010/main" xmlns:m="http://schemas.openxmlformats.org/officeDocument/2006/math" val="1"/>
+              <ma14:wrappingTextBoxFlag xmlns:m="http://schemas.openxmlformats.org/officeDocument/2006/math" xmlns:a14="http://schemas.microsoft.com/office/drawing/2010/main" xmlns:ma14="http://schemas.microsoft.com/office/mac/drawingml/2011/main" xmlns="" val="1"/>
             </a:ext>
           </a:extLst>
         </p:spPr>
@@ -3334,7 +3334,7 @@
           </a:ln>
           <a:extLst>
             <a:ext uri="{C572A759-6A51-4108-AA02-DFA0A04FC94B}">
-              <ma14:wrappingTextBoxFlag xmlns="" xmlns:m="http://schemas.openxmlformats.org/officeDocument/2006/math" xmlns:a14="http://schemas.microsoft.com/office/drawing/2010/main" xmlns:ma14="http://schemas.microsoft.com/office/mac/drawingml/2011/main" val="1"/>
+              <ma14:wrappingTextBoxFlag xmlns:ma14="http://schemas.microsoft.com/office/mac/drawingml/2011/main" xmlns:a14="http://schemas.microsoft.com/office/drawing/2010/main" xmlns:m="http://schemas.openxmlformats.org/officeDocument/2006/math" xmlns="" val="1"/>
             </a:ext>
           </a:extLst>
         </p:spPr>
@@ -3450,7 +3450,7 @@
           </a:ln>
           <a:extLst>
             <a:ext uri="{C572A759-6A51-4108-AA02-DFA0A04FC94B}">
-              <ma14:wrappingTextBoxFlag xmlns="" xmlns:m="http://schemas.openxmlformats.org/officeDocument/2006/math" xmlns:a14="http://schemas.microsoft.com/office/drawing/2010/main" xmlns:ma14="http://schemas.microsoft.com/office/mac/drawingml/2011/main" val="1"/>
+              <ma14:wrappingTextBoxFlag xmlns:ma14="http://schemas.microsoft.com/office/mac/drawingml/2011/main" xmlns:a14="http://schemas.microsoft.com/office/drawing/2010/main" xmlns:m="http://schemas.openxmlformats.org/officeDocument/2006/math" xmlns="" val="1"/>
             </a:ext>
           </a:extLst>
         </p:spPr>
@@ -4321,7 +4321,7 @@
           </a:ln>
           <a:extLst>
             <a:ext uri="{C572A759-6A51-4108-AA02-DFA0A04FC94B}">
-              <ma14:wrappingTextBoxFlag xmlns="" xmlns:ma14="http://schemas.microsoft.com/office/mac/drawingml/2011/main" xmlns:a14="http://schemas.microsoft.com/office/drawing/2010/main" xmlns:m="http://schemas.openxmlformats.org/officeDocument/2006/math" val="1"/>
+              <ma14:wrappingTextBoxFlag xmlns:m="http://schemas.openxmlformats.org/officeDocument/2006/math" xmlns:a14="http://schemas.microsoft.com/office/drawing/2010/main" xmlns:ma14="http://schemas.microsoft.com/office/mac/drawingml/2011/main" xmlns="" val="1"/>
             </a:ext>
           </a:extLst>
         </p:spPr>
@@ -4830,7 +4830,7 @@
           </a:ln>
           <a:extLst>
             <a:ext uri="{C572A759-6A51-4108-AA02-DFA0A04FC94B}">
-              <ma14:wrappingTextBoxFlag xmlns="" xmlns:ma14="http://schemas.microsoft.com/office/mac/drawingml/2011/main" xmlns:a14="http://schemas.microsoft.com/office/drawing/2010/main" xmlns:m="http://schemas.openxmlformats.org/officeDocument/2006/math" val="1"/>
+              <ma14:wrappingTextBoxFlag xmlns:m="http://schemas.openxmlformats.org/officeDocument/2006/math" xmlns:a14="http://schemas.microsoft.com/office/drawing/2010/main" xmlns:ma14="http://schemas.microsoft.com/office/mac/drawingml/2011/main" xmlns="" val="1"/>
             </a:ext>
           </a:extLst>
         </p:spPr>
@@ -4949,7 +4949,7 @@
           </a:ln>
           <a:extLst>
             <a:ext uri="{C572A759-6A51-4108-AA02-DFA0A04FC94B}">
-              <ma14:wrappingTextBoxFlag xmlns="" xmlns:ma14="http://schemas.microsoft.com/office/mac/drawingml/2011/main" xmlns:a14="http://schemas.microsoft.com/office/drawing/2010/main" xmlns:m="http://schemas.openxmlformats.org/officeDocument/2006/math" val="1"/>
+              <ma14:wrappingTextBoxFlag xmlns:m="http://schemas.openxmlformats.org/officeDocument/2006/math" xmlns:a14="http://schemas.microsoft.com/office/drawing/2010/main" xmlns:ma14="http://schemas.microsoft.com/office/mac/drawingml/2011/main" xmlns="" val="1"/>
             </a:ext>
           </a:extLst>
         </p:spPr>
@@ -5233,7 +5233,7 @@
           </a:ln>
           <a:extLst>
             <a:ext uri="{C572A759-6A51-4108-AA02-DFA0A04FC94B}">
-              <ma14:wrappingTextBoxFlag xmlns="" xmlns:ma14="http://schemas.microsoft.com/office/mac/drawingml/2011/main" xmlns:a14="http://schemas.microsoft.com/office/drawing/2010/main" xmlns:m="http://schemas.openxmlformats.org/officeDocument/2006/math" val="1"/>
+              <ma14:wrappingTextBoxFlag xmlns:m="http://schemas.openxmlformats.org/officeDocument/2006/math" xmlns:a14="http://schemas.microsoft.com/office/drawing/2010/main" xmlns:ma14="http://schemas.microsoft.com/office/mac/drawingml/2011/main" xmlns="" val="1"/>
             </a:ext>
           </a:extLst>
         </p:spPr>
@@ -5474,7 +5474,7 @@
           </a:ln>
           <a:extLst>
             <a:ext uri="{C572A759-6A51-4108-AA02-DFA0A04FC94B}">
-              <ma14:wrappingTextBoxFlag xmlns="" xmlns:ma14="http://schemas.microsoft.com/office/mac/drawingml/2011/main" xmlns:a14="http://schemas.microsoft.com/office/drawing/2010/main" xmlns:m="http://schemas.openxmlformats.org/officeDocument/2006/math" val="1"/>
+              <ma14:wrappingTextBoxFlag xmlns:m="http://schemas.openxmlformats.org/officeDocument/2006/math" xmlns:a14="http://schemas.microsoft.com/office/drawing/2010/main" xmlns:ma14="http://schemas.microsoft.com/office/mac/drawingml/2011/main" xmlns="" val="1"/>
             </a:ext>
           </a:extLst>
         </p:spPr>
@@ -5660,7 +5660,7 @@
           </a:ln>
           <a:extLst>
             <a:ext uri="{C572A759-6A51-4108-AA02-DFA0A04FC94B}">
-              <ma14:wrappingTextBoxFlag xmlns="" xmlns:ma14="http://schemas.microsoft.com/office/mac/drawingml/2011/main" xmlns:a14="http://schemas.microsoft.com/office/drawing/2010/main" xmlns:m="http://schemas.openxmlformats.org/officeDocument/2006/math" val="1"/>
+              <ma14:wrappingTextBoxFlag xmlns:m="http://schemas.openxmlformats.org/officeDocument/2006/math" xmlns:a14="http://schemas.microsoft.com/office/drawing/2010/main" xmlns:ma14="http://schemas.microsoft.com/office/mac/drawingml/2011/main" xmlns="" val="1"/>
             </a:ext>
           </a:extLst>
         </p:spPr>
@@ -5778,7 +5778,7 @@
           </a:ln>
           <a:extLst>
             <a:ext uri="{C572A759-6A51-4108-AA02-DFA0A04FC94B}">
-              <ma14:wrappingTextBoxFlag xmlns="" xmlns:ma14="http://schemas.microsoft.com/office/mac/drawingml/2011/main" xmlns:a14="http://schemas.microsoft.com/office/drawing/2010/main" xmlns:m="http://schemas.openxmlformats.org/officeDocument/2006/math" val="1"/>
+              <ma14:wrappingTextBoxFlag xmlns:m="http://schemas.openxmlformats.org/officeDocument/2006/math" xmlns:a14="http://schemas.microsoft.com/office/drawing/2010/main" xmlns:ma14="http://schemas.microsoft.com/office/mac/drawingml/2011/main" xmlns="" val="1"/>
             </a:ext>
           </a:extLst>
         </p:spPr>
@@ -5828,7 +5828,7 @@
           </a:ln>
           <a:extLst>
             <a:ext uri="{C572A759-6A51-4108-AA02-DFA0A04FC94B}">
-              <ma14:wrappingTextBoxFlag xmlns="" xmlns:ma14="http://schemas.microsoft.com/office/mac/drawingml/2011/main" xmlns:a14="http://schemas.microsoft.com/office/drawing/2010/main" xmlns:m="http://schemas.openxmlformats.org/officeDocument/2006/math" val="1"/>
+              <ma14:wrappingTextBoxFlag xmlns:m="http://schemas.openxmlformats.org/officeDocument/2006/math" xmlns:a14="http://schemas.microsoft.com/office/drawing/2010/main" xmlns:ma14="http://schemas.microsoft.com/office/mac/drawingml/2011/main" xmlns="" val="1"/>
             </a:ext>
           </a:extLst>
         </p:spPr>
@@ -6148,7 +6148,7 @@
           </a:ln>
           <a:extLst>
             <a:ext uri="{C572A759-6A51-4108-AA02-DFA0A04FC94B}">
-              <ma14:wrappingTextBoxFlag xmlns="" xmlns:ma14="http://schemas.microsoft.com/office/mac/drawingml/2011/main" xmlns:a14="http://schemas.microsoft.com/office/drawing/2010/main" xmlns:m="http://schemas.openxmlformats.org/officeDocument/2006/math" val="1"/>
+              <ma14:wrappingTextBoxFlag xmlns:m="http://schemas.openxmlformats.org/officeDocument/2006/math" xmlns:a14="http://schemas.microsoft.com/office/drawing/2010/main" xmlns:ma14="http://schemas.microsoft.com/office/mac/drawingml/2011/main" xmlns="" val="1"/>
             </a:ext>
           </a:extLst>
         </p:spPr>
@@ -6266,7 +6266,7 @@
           </a:ln>
           <a:extLst>
             <a:ext uri="{C572A759-6A51-4108-AA02-DFA0A04FC94B}">
-              <ma14:wrappingTextBoxFlag xmlns="" xmlns:ma14="http://schemas.microsoft.com/office/mac/drawingml/2011/main" xmlns:a14="http://schemas.microsoft.com/office/drawing/2010/main" xmlns:m="http://schemas.openxmlformats.org/officeDocument/2006/math" val="1"/>
+              <ma14:wrappingTextBoxFlag xmlns:m="http://schemas.openxmlformats.org/officeDocument/2006/math" xmlns:a14="http://schemas.microsoft.com/office/drawing/2010/main" xmlns:ma14="http://schemas.microsoft.com/office/mac/drawingml/2011/main" xmlns="" val="1"/>
             </a:ext>
           </a:extLst>
         </p:spPr>
@@ -6518,7 +6518,7 @@
           </a:ln>
           <a:extLst>
             <a:ext uri="{C572A759-6A51-4108-AA02-DFA0A04FC94B}">
-              <ma14:wrappingTextBoxFlag xmlns="" xmlns:ma14="http://schemas.microsoft.com/office/mac/drawingml/2011/main" xmlns:a14="http://schemas.microsoft.com/office/drawing/2010/main" xmlns:m="http://schemas.openxmlformats.org/officeDocument/2006/math" val="1"/>
+              <ma14:wrappingTextBoxFlag xmlns:m="http://schemas.openxmlformats.org/officeDocument/2006/math" xmlns:a14="http://schemas.microsoft.com/office/drawing/2010/main" xmlns:ma14="http://schemas.microsoft.com/office/mac/drawingml/2011/main" xmlns="" val="1"/>
             </a:ext>
           </a:extLst>
         </p:spPr>
@@ -6636,7 +6636,7 @@
           </a:ln>
           <a:extLst>
             <a:ext uri="{C572A759-6A51-4108-AA02-DFA0A04FC94B}">
-              <ma14:wrappingTextBoxFlag xmlns="" xmlns:ma14="http://schemas.microsoft.com/office/mac/drawingml/2011/main" xmlns:a14="http://schemas.microsoft.com/office/drawing/2010/main" xmlns:m="http://schemas.openxmlformats.org/officeDocument/2006/math" val="1"/>
+              <ma14:wrappingTextBoxFlag xmlns:m="http://schemas.openxmlformats.org/officeDocument/2006/math" xmlns:a14="http://schemas.microsoft.com/office/drawing/2010/main" xmlns:ma14="http://schemas.microsoft.com/office/mac/drawingml/2011/main" xmlns="" val="1"/>
             </a:ext>
           </a:extLst>
         </p:spPr>
@@ -6742,7 +6742,7 @@
           </a:ln>
           <a:extLst>
             <a:ext uri="{C572A759-6A51-4108-AA02-DFA0A04FC94B}">
-              <ma14:wrappingTextBoxFlag xmlns="" xmlns:m="http://schemas.openxmlformats.org/officeDocument/2006/math" xmlns:a14="http://schemas.microsoft.com/office/drawing/2010/main" xmlns:ma14="http://schemas.microsoft.com/office/mac/drawingml/2011/main" val="1"/>
+              <ma14:wrappingTextBoxFlag xmlns:ma14="http://schemas.microsoft.com/office/mac/drawingml/2011/main" xmlns:a14="http://schemas.microsoft.com/office/drawing/2010/main" xmlns:m="http://schemas.openxmlformats.org/officeDocument/2006/math" xmlns="" val="1"/>
             </a:ext>
           </a:extLst>
         </p:spPr>
@@ -6975,7 +6975,7 @@
           </a:ln>
           <a:extLst>
             <a:ext uri="{C572A759-6A51-4108-AA02-DFA0A04FC94B}">
-              <ma14:wrappingTextBoxFlag xmlns="" xmlns:m="http://schemas.openxmlformats.org/officeDocument/2006/math" xmlns:a14="http://schemas.microsoft.com/office/drawing/2010/main" xmlns:ma14="http://schemas.microsoft.com/office/mac/drawingml/2011/main" val="1"/>
+              <ma14:wrappingTextBoxFlag xmlns:ma14="http://schemas.microsoft.com/office/mac/drawingml/2011/main" xmlns:a14="http://schemas.microsoft.com/office/drawing/2010/main" xmlns:m="http://schemas.openxmlformats.org/officeDocument/2006/math" xmlns="" val="1"/>
             </a:ext>
           </a:extLst>
         </p:spPr>
@@ -7706,7 +7706,7 @@
           </a:ln>
           <a:extLst>
             <a:ext uri="{C572A759-6A51-4108-AA02-DFA0A04FC94B}">
-              <ma14:wrappingTextBoxFlag xmlns="" xmlns:ma14="http://schemas.microsoft.com/office/mac/drawingml/2011/main" xmlns:a14="http://schemas.microsoft.com/office/drawing/2010/main" xmlns:m="http://schemas.openxmlformats.org/officeDocument/2006/math" val="1"/>
+              <ma14:wrappingTextBoxFlag xmlns:m="http://schemas.openxmlformats.org/officeDocument/2006/math" xmlns:a14="http://schemas.microsoft.com/office/drawing/2010/main" xmlns:ma14="http://schemas.microsoft.com/office/mac/drawingml/2011/main" xmlns="" val="1"/>
             </a:ext>
           </a:extLst>
         </p:spPr>
@@ -8176,7 +8176,7 @@
           </a:ln>
           <a:extLst>
             <a:ext uri="{C572A759-6A51-4108-AA02-DFA0A04FC94B}">
-              <ma14:wrappingTextBoxFlag xmlns="" xmlns:ma14="http://schemas.microsoft.com/office/mac/drawingml/2011/main" xmlns:a14="http://schemas.microsoft.com/office/drawing/2010/main" xmlns:m="http://schemas.openxmlformats.org/officeDocument/2006/math" val="1"/>
+              <ma14:wrappingTextBoxFlag xmlns:m="http://schemas.openxmlformats.org/officeDocument/2006/math" xmlns:a14="http://schemas.microsoft.com/office/drawing/2010/main" xmlns:ma14="http://schemas.microsoft.com/office/mac/drawingml/2011/main" xmlns="" val="1"/>
             </a:ext>
           </a:extLst>
         </p:spPr>
@@ -8295,7 +8295,7 @@
           </a:ln>
           <a:extLst>
             <a:ext uri="{C572A759-6A51-4108-AA02-DFA0A04FC94B}">
-              <ma14:wrappingTextBoxFlag xmlns="" xmlns:ma14="http://schemas.microsoft.com/office/mac/drawingml/2011/main" xmlns:a14="http://schemas.microsoft.com/office/drawing/2010/main" xmlns:m="http://schemas.openxmlformats.org/officeDocument/2006/math" val="1"/>
+              <ma14:wrappingTextBoxFlag xmlns:m="http://schemas.openxmlformats.org/officeDocument/2006/math" xmlns:a14="http://schemas.microsoft.com/office/drawing/2010/main" xmlns:ma14="http://schemas.microsoft.com/office/mac/drawingml/2011/main" xmlns="" val="1"/>
             </a:ext>
           </a:extLst>
         </p:spPr>
@@ -8578,7 +8578,7 @@
           </a:ln>
           <a:extLst>
             <a:ext uri="{C572A759-6A51-4108-AA02-DFA0A04FC94B}">
-              <ma14:wrappingTextBoxFlag xmlns="" xmlns:ma14="http://schemas.microsoft.com/office/mac/drawingml/2011/main" xmlns:a14="http://schemas.microsoft.com/office/drawing/2010/main" xmlns:m="http://schemas.openxmlformats.org/officeDocument/2006/math" val="1"/>
+              <ma14:wrappingTextBoxFlag xmlns:m="http://schemas.openxmlformats.org/officeDocument/2006/math" xmlns:a14="http://schemas.microsoft.com/office/drawing/2010/main" xmlns:ma14="http://schemas.microsoft.com/office/mac/drawingml/2011/main" xmlns="" val="1"/>
             </a:ext>
           </a:extLst>
         </p:spPr>
@@ -8862,7 +8862,7 @@
           </a:ln>
           <a:extLst>
             <a:ext uri="{C572A759-6A51-4108-AA02-DFA0A04FC94B}">
-              <ma14:wrappingTextBoxFlag xmlns="" xmlns:ma14="http://schemas.microsoft.com/office/mac/drawingml/2011/main" xmlns:a14="http://schemas.microsoft.com/office/drawing/2010/main" xmlns:m="http://schemas.openxmlformats.org/officeDocument/2006/math" val="1"/>
+              <ma14:wrappingTextBoxFlag xmlns:m="http://schemas.openxmlformats.org/officeDocument/2006/math" xmlns:a14="http://schemas.microsoft.com/office/drawing/2010/main" xmlns:ma14="http://schemas.microsoft.com/office/mac/drawingml/2011/main" xmlns="" val="1"/>
             </a:ext>
           </a:extLst>
         </p:spPr>
@@ -9091,7 +9091,7 @@
           </a:ln>
           <a:extLst>
             <a:ext uri="{C572A759-6A51-4108-AA02-DFA0A04FC94B}">
-              <ma14:wrappingTextBoxFlag xmlns="" xmlns:ma14="http://schemas.microsoft.com/office/mac/drawingml/2011/main" xmlns:a14="http://schemas.microsoft.com/office/drawing/2010/main" xmlns:m="http://schemas.openxmlformats.org/officeDocument/2006/math" val="1"/>
+              <ma14:wrappingTextBoxFlag xmlns:m="http://schemas.openxmlformats.org/officeDocument/2006/math" xmlns:a14="http://schemas.microsoft.com/office/drawing/2010/main" xmlns:ma14="http://schemas.microsoft.com/office/mac/drawingml/2011/main" xmlns="" val="1"/>
             </a:ext>
           </a:extLst>
         </p:spPr>
@@ -9276,7 +9276,7 @@
           </a:ln>
           <a:extLst>
             <a:ext uri="{C572A759-6A51-4108-AA02-DFA0A04FC94B}">
-              <ma14:wrappingTextBoxFlag xmlns="" xmlns:ma14="http://schemas.microsoft.com/office/mac/drawingml/2011/main" xmlns:a14="http://schemas.microsoft.com/office/drawing/2010/main" xmlns:m="http://schemas.openxmlformats.org/officeDocument/2006/math" val="1"/>
+              <ma14:wrappingTextBoxFlag xmlns:m="http://schemas.openxmlformats.org/officeDocument/2006/math" xmlns:a14="http://schemas.microsoft.com/office/drawing/2010/main" xmlns:ma14="http://schemas.microsoft.com/office/mac/drawingml/2011/main" xmlns="" val="1"/>
             </a:ext>
           </a:extLst>
         </p:spPr>
@@ -9493,7 +9493,7 @@
           </a:ln>
           <a:extLst>
             <a:ext uri="{C572A759-6A51-4108-AA02-DFA0A04FC94B}">
-              <ma14:wrappingTextBoxFlag xmlns="" xmlns:ma14="http://schemas.microsoft.com/office/mac/drawingml/2011/main" xmlns:a14="http://schemas.microsoft.com/office/drawing/2010/main" xmlns:m="http://schemas.openxmlformats.org/officeDocument/2006/math" val="1"/>
+              <ma14:wrappingTextBoxFlag xmlns:m="http://schemas.openxmlformats.org/officeDocument/2006/math" xmlns:a14="http://schemas.microsoft.com/office/drawing/2010/main" xmlns:ma14="http://schemas.microsoft.com/office/mac/drawingml/2011/main" xmlns="" val="1"/>
             </a:ext>
           </a:extLst>
         </p:spPr>
@@ -9611,7 +9611,7 @@
           </a:ln>
           <a:extLst>
             <a:ext uri="{C572A759-6A51-4108-AA02-DFA0A04FC94B}">
-              <ma14:wrappingTextBoxFlag xmlns="" xmlns:ma14="http://schemas.microsoft.com/office/mac/drawingml/2011/main" xmlns:a14="http://schemas.microsoft.com/office/drawing/2010/main" xmlns:m="http://schemas.openxmlformats.org/officeDocument/2006/math" val="1"/>
+              <ma14:wrappingTextBoxFlag xmlns:m="http://schemas.openxmlformats.org/officeDocument/2006/math" xmlns:a14="http://schemas.microsoft.com/office/drawing/2010/main" xmlns:ma14="http://schemas.microsoft.com/office/mac/drawingml/2011/main" xmlns="" val="1"/>
             </a:ext>
           </a:extLst>
         </p:spPr>
@@ -9863,7 +9863,7 @@
           </a:ln>
           <a:extLst>
             <a:ext uri="{C572A759-6A51-4108-AA02-DFA0A04FC94B}">
-              <ma14:wrappingTextBoxFlag xmlns="" xmlns:ma14="http://schemas.microsoft.com/office/mac/drawingml/2011/main" xmlns:a14="http://schemas.microsoft.com/office/drawing/2010/main" xmlns:m="http://schemas.openxmlformats.org/officeDocument/2006/math" val="1"/>
+              <ma14:wrappingTextBoxFlag xmlns:m="http://schemas.openxmlformats.org/officeDocument/2006/math" xmlns:a14="http://schemas.microsoft.com/office/drawing/2010/main" xmlns:ma14="http://schemas.microsoft.com/office/mac/drawingml/2011/main" xmlns="" val="1"/>
             </a:ext>
           </a:extLst>
         </p:spPr>
@@ -9981,7 +9981,7 @@
           </a:ln>
           <a:extLst>
             <a:ext uri="{C572A759-6A51-4108-AA02-DFA0A04FC94B}">
-              <ma14:wrappingTextBoxFlag xmlns="" xmlns:ma14="http://schemas.microsoft.com/office/mac/drawingml/2011/main" xmlns:a14="http://schemas.microsoft.com/office/drawing/2010/main" xmlns:m="http://schemas.openxmlformats.org/officeDocument/2006/math" val="1"/>
+              <ma14:wrappingTextBoxFlag xmlns:m="http://schemas.openxmlformats.org/officeDocument/2006/math" xmlns:a14="http://schemas.microsoft.com/office/drawing/2010/main" xmlns:ma14="http://schemas.microsoft.com/office/mac/drawingml/2011/main" xmlns="" val="1"/>
             </a:ext>
           </a:extLst>
         </p:spPr>
@@ -10087,7 +10087,7 @@
           </a:ln>
           <a:extLst>
             <a:ext uri="{C572A759-6A51-4108-AA02-DFA0A04FC94B}">
-              <ma14:wrappingTextBoxFlag xmlns="" xmlns:m="http://schemas.openxmlformats.org/officeDocument/2006/math" xmlns:a14="http://schemas.microsoft.com/office/drawing/2010/main" xmlns:ma14="http://schemas.microsoft.com/office/mac/drawingml/2011/main" val="1"/>
+              <ma14:wrappingTextBoxFlag xmlns:ma14="http://schemas.microsoft.com/office/mac/drawingml/2011/main" xmlns:a14="http://schemas.microsoft.com/office/drawing/2010/main" xmlns:m="http://schemas.openxmlformats.org/officeDocument/2006/math" xmlns="" val="1"/>
             </a:ext>
           </a:extLst>
         </p:spPr>
@@ -10203,7 +10203,7 @@
           </a:ln>
           <a:extLst>
             <a:ext uri="{C572A759-6A51-4108-AA02-DFA0A04FC94B}">
-              <ma14:wrappingTextBoxFlag xmlns="" xmlns:m="http://schemas.openxmlformats.org/officeDocument/2006/math" xmlns:a14="http://schemas.microsoft.com/office/drawing/2010/main" xmlns:ma14="http://schemas.microsoft.com/office/mac/drawingml/2011/main" val="1"/>
+              <ma14:wrappingTextBoxFlag xmlns:ma14="http://schemas.microsoft.com/office/mac/drawingml/2011/main" xmlns:a14="http://schemas.microsoft.com/office/drawing/2010/main" xmlns:m="http://schemas.openxmlformats.org/officeDocument/2006/math" xmlns="" val="1"/>
             </a:ext>
           </a:extLst>
         </p:spPr>
@@ -10490,7 +10490,7 @@
           </a:ln>
           <a:extLst>
             <a:ext uri="{C572A759-6A51-4108-AA02-DFA0A04FC94B}">
-              <ma14:wrappingTextBoxFlag xmlns="" xmlns:ma14="http://schemas.microsoft.com/office/mac/drawingml/2011/main" xmlns:a14="http://schemas.microsoft.com/office/drawing/2010/main" xmlns:m="http://schemas.openxmlformats.org/officeDocument/2006/math" val="1"/>
+              <ma14:wrappingTextBoxFlag xmlns:m="http://schemas.openxmlformats.org/officeDocument/2006/math" xmlns:a14="http://schemas.microsoft.com/office/drawing/2010/main" xmlns:ma14="http://schemas.microsoft.com/office/mac/drawingml/2011/main" xmlns="" val="1"/>
             </a:ext>
           </a:extLst>
         </p:spPr>
@@ -10731,7 +10731,7 @@
           </a:ln>
           <a:extLst>
             <a:ext uri="{C572A759-6A51-4108-AA02-DFA0A04FC94B}">
-              <ma14:wrappingTextBoxFlag xmlns="" xmlns:ma14="http://schemas.microsoft.com/office/mac/drawingml/2011/main" xmlns:a14="http://schemas.microsoft.com/office/drawing/2010/main" xmlns:m="http://schemas.openxmlformats.org/officeDocument/2006/math" val="1"/>
+              <ma14:wrappingTextBoxFlag xmlns:m="http://schemas.openxmlformats.org/officeDocument/2006/math" xmlns:a14="http://schemas.microsoft.com/office/drawing/2010/main" xmlns:ma14="http://schemas.microsoft.com/office/mac/drawingml/2011/main" xmlns="" val="1"/>
             </a:ext>
           </a:extLst>
         </p:spPr>
@@ -10917,7 +10917,7 @@
           </a:ln>
           <a:extLst>
             <a:ext uri="{C572A759-6A51-4108-AA02-DFA0A04FC94B}">
-              <ma14:wrappingTextBoxFlag xmlns="" xmlns:ma14="http://schemas.microsoft.com/office/mac/drawingml/2011/main" xmlns:a14="http://schemas.microsoft.com/office/drawing/2010/main" xmlns:m="http://schemas.openxmlformats.org/officeDocument/2006/math" val="1"/>
+              <ma14:wrappingTextBoxFlag xmlns:m="http://schemas.openxmlformats.org/officeDocument/2006/math" xmlns:a14="http://schemas.microsoft.com/office/drawing/2010/main" xmlns:ma14="http://schemas.microsoft.com/office/mac/drawingml/2011/main" xmlns="" val="1"/>
             </a:ext>
           </a:extLst>
         </p:spPr>
@@ -11035,7 +11035,7 @@
           </a:ln>
           <a:extLst>
             <a:ext uri="{C572A759-6A51-4108-AA02-DFA0A04FC94B}">
-              <ma14:wrappingTextBoxFlag xmlns="" xmlns:ma14="http://schemas.microsoft.com/office/mac/drawingml/2011/main" xmlns:a14="http://schemas.microsoft.com/office/drawing/2010/main" xmlns:m="http://schemas.openxmlformats.org/officeDocument/2006/math" val="1"/>
+              <ma14:wrappingTextBoxFlag xmlns:m="http://schemas.openxmlformats.org/officeDocument/2006/math" xmlns:a14="http://schemas.microsoft.com/office/drawing/2010/main" xmlns:ma14="http://schemas.microsoft.com/office/mac/drawingml/2011/main" xmlns="" val="1"/>
             </a:ext>
           </a:extLst>
         </p:spPr>
@@ -11085,7 +11085,7 @@
           </a:ln>
           <a:extLst>
             <a:ext uri="{C572A759-6A51-4108-AA02-DFA0A04FC94B}">
-              <ma14:wrappingTextBoxFlag xmlns="" xmlns:ma14="http://schemas.microsoft.com/office/mac/drawingml/2011/main" xmlns:a14="http://schemas.microsoft.com/office/drawing/2010/main" xmlns:m="http://schemas.openxmlformats.org/officeDocument/2006/math" val="1"/>
+              <ma14:wrappingTextBoxFlag xmlns:m="http://schemas.openxmlformats.org/officeDocument/2006/math" xmlns:a14="http://schemas.microsoft.com/office/drawing/2010/main" xmlns:ma14="http://schemas.microsoft.com/office/mac/drawingml/2011/main" xmlns="" val="1"/>
             </a:ext>
           </a:extLst>
         </p:spPr>
@@ -11405,7 +11405,7 @@
           </a:ln>
           <a:extLst>
             <a:ext uri="{C572A759-6A51-4108-AA02-DFA0A04FC94B}">
-              <ma14:wrappingTextBoxFlag xmlns="" xmlns:ma14="http://schemas.microsoft.com/office/mac/drawingml/2011/main" xmlns:a14="http://schemas.microsoft.com/office/drawing/2010/main" xmlns:m="http://schemas.openxmlformats.org/officeDocument/2006/math" val="1"/>
+              <ma14:wrappingTextBoxFlag xmlns:m="http://schemas.openxmlformats.org/officeDocument/2006/math" xmlns:a14="http://schemas.microsoft.com/office/drawing/2010/main" xmlns:ma14="http://schemas.microsoft.com/office/mac/drawingml/2011/main" xmlns="" val="1"/>
             </a:ext>
           </a:extLst>
         </p:spPr>
@@ -11523,7 +11523,7 @@
           </a:ln>
           <a:extLst>
             <a:ext uri="{C572A759-6A51-4108-AA02-DFA0A04FC94B}">
-              <ma14:wrappingTextBoxFlag xmlns="" xmlns:ma14="http://schemas.microsoft.com/office/mac/drawingml/2011/main" xmlns:a14="http://schemas.microsoft.com/office/drawing/2010/main" xmlns:m="http://schemas.openxmlformats.org/officeDocument/2006/math" val="1"/>
+              <ma14:wrappingTextBoxFlag xmlns:m="http://schemas.openxmlformats.org/officeDocument/2006/math" xmlns:a14="http://schemas.microsoft.com/office/drawing/2010/main" xmlns:ma14="http://schemas.microsoft.com/office/mac/drawingml/2011/main" xmlns="" val="1"/>
             </a:ext>
           </a:extLst>
         </p:spPr>
@@ -11713,7 +11713,7 @@
           </a:ln>
           <a:extLst>
             <a:ext uri="{C572A759-6A51-4108-AA02-DFA0A04FC94B}">
-              <ma14:wrappingTextBoxFlag xmlns="" xmlns:ma14="http://schemas.microsoft.com/office/mac/drawingml/2011/main" xmlns:a14="http://schemas.microsoft.com/office/drawing/2010/main" xmlns:m="http://schemas.openxmlformats.org/officeDocument/2006/math" val="1"/>
+              <ma14:wrappingTextBoxFlag xmlns:m="http://schemas.openxmlformats.org/officeDocument/2006/math" xmlns:a14="http://schemas.microsoft.com/office/drawing/2010/main" xmlns:ma14="http://schemas.microsoft.com/office/mac/drawingml/2011/main" xmlns="" val="1"/>
             </a:ext>
           </a:extLst>
         </p:spPr>
@@ -11753,7 +11753,7 @@
           </a:ln>
           <a:extLst>
             <a:ext uri="{C572A759-6A51-4108-AA02-DFA0A04FC94B}">
-              <ma14:wrappingTextBoxFlag xmlns="" xmlns:ma14="http://schemas.microsoft.com/office/mac/drawingml/2011/main" xmlns:a14="http://schemas.microsoft.com/office/drawing/2010/main" xmlns:m="http://schemas.openxmlformats.org/officeDocument/2006/math" val="1"/>
+              <ma14:wrappingTextBoxFlag xmlns:m="http://schemas.openxmlformats.org/officeDocument/2006/math" xmlns:a14="http://schemas.microsoft.com/office/drawing/2010/main" xmlns:ma14="http://schemas.microsoft.com/office/mac/drawingml/2011/main" xmlns="" val="1"/>
             </a:ext>
           </a:extLst>
         </p:spPr>
@@ -12656,7 +12656,7 @@
           </a:ln>
           <a:extLst>
             <a:ext uri="{C572A759-6A51-4108-AA02-DFA0A04FC94B}">
-              <ma14:wrappingTextBoxFlag xmlns="" xmlns:ma14="http://schemas.microsoft.com/office/mac/drawingml/2011/main" xmlns:a14="http://schemas.microsoft.com/office/drawing/2010/main" xmlns:m="http://schemas.openxmlformats.org/officeDocument/2006/math" val="1"/>
+              <ma14:wrappingTextBoxFlag xmlns:m="http://schemas.openxmlformats.org/officeDocument/2006/math" xmlns:a14="http://schemas.microsoft.com/office/drawing/2010/main" xmlns:ma14="http://schemas.microsoft.com/office/mac/drawingml/2011/main" xmlns="" val="1"/>
             </a:ext>
           </a:extLst>
         </p:spPr>
@@ -12696,7 +12696,7 @@
           </a:ln>
           <a:extLst>
             <a:ext uri="{C572A759-6A51-4108-AA02-DFA0A04FC94B}">
-              <ma14:wrappingTextBoxFlag xmlns="" xmlns:ma14="http://schemas.microsoft.com/office/mac/drawingml/2011/main" xmlns:a14="http://schemas.microsoft.com/office/drawing/2010/main" xmlns:m="http://schemas.openxmlformats.org/officeDocument/2006/math" val="1"/>
+              <ma14:wrappingTextBoxFlag xmlns:m="http://schemas.openxmlformats.org/officeDocument/2006/math" xmlns:a14="http://schemas.microsoft.com/office/drawing/2010/main" xmlns:ma14="http://schemas.microsoft.com/office/mac/drawingml/2011/main" xmlns="" val="1"/>
             </a:ext>
           </a:extLst>
         </p:spPr>
@@ -13601,7 +13601,7 @@
           </a:ln>
           <a:extLst>
             <a:ext uri="{C572A759-6A51-4108-AA02-DFA0A04FC94B}">
-              <ma14:wrappingTextBoxFlag xmlns="" xmlns:ma14="http://schemas.microsoft.com/office/mac/drawingml/2011/main" xmlns:a14="http://schemas.microsoft.com/office/drawing/2010/main" xmlns:m="http://schemas.openxmlformats.org/officeDocument/2006/math" val="1"/>
+              <ma14:wrappingTextBoxFlag xmlns:m="http://schemas.openxmlformats.org/officeDocument/2006/math" xmlns:a14="http://schemas.microsoft.com/office/drawing/2010/main" xmlns:ma14="http://schemas.microsoft.com/office/mac/drawingml/2011/main" xmlns="" val="1"/>
             </a:ext>
           </a:extLst>
         </p:spPr>
@@ -13641,7 +13641,7 @@
           </a:ln>
           <a:extLst>
             <a:ext uri="{C572A759-6A51-4108-AA02-DFA0A04FC94B}">
-              <ma14:wrappingTextBoxFlag xmlns="" xmlns:ma14="http://schemas.microsoft.com/office/mac/drawingml/2011/main" xmlns:a14="http://schemas.microsoft.com/office/drawing/2010/main" xmlns:m="http://schemas.openxmlformats.org/officeDocument/2006/math" val="1"/>
+              <ma14:wrappingTextBoxFlag xmlns:m="http://schemas.openxmlformats.org/officeDocument/2006/math" xmlns:a14="http://schemas.microsoft.com/office/drawing/2010/main" xmlns:ma14="http://schemas.microsoft.com/office/mac/drawingml/2011/main" xmlns="" val="1"/>
             </a:ext>
           </a:extLst>
         </p:spPr>
@@ -14630,7 +14630,7 @@
           </a:ln>
           <a:extLst>
             <a:ext uri="{C572A759-6A51-4108-AA02-DFA0A04FC94B}">
-              <ma14:wrappingTextBoxFlag xmlns="" xmlns:ma14="http://schemas.microsoft.com/office/mac/drawingml/2011/main" xmlns:a14="http://schemas.microsoft.com/office/drawing/2010/main" xmlns:m="http://schemas.openxmlformats.org/officeDocument/2006/math" val="1"/>
+              <ma14:wrappingTextBoxFlag xmlns:m="http://schemas.openxmlformats.org/officeDocument/2006/math" xmlns:a14="http://schemas.microsoft.com/office/drawing/2010/main" xmlns:ma14="http://schemas.microsoft.com/office/mac/drawingml/2011/main" xmlns="" val="1"/>
             </a:ext>
           </a:extLst>
         </p:spPr>
@@ -14998,10 +14998,10 @@
       </p:sp>
       <p:pic>
         <p:nvPicPr>
-          <p:cNvPr id="5" name="Picture 4" descr="A diagram of a message&#10;&#10;AI-generated content may be incorrect.">
+          <p:cNvPr id="3" name="Picture 2" descr="A diagram of a program&#10;&#10;AI-generated content may be incorrect.">
             <a:extLst>
               <a:ext uri="{FF2B5EF4-FFF2-40B4-BE49-F238E27FC236}">
-                <a16:creationId xmlns:a16="http://schemas.microsoft.com/office/drawing/2014/main" id="{090D8BE8-5868-CFE5-523E-849FBE5F880D}"/>
+                <a16:creationId xmlns:a16="http://schemas.microsoft.com/office/drawing/2014/main" id="{AB36C80B-3542-FC5A-156E-38E9D37E6F90}"/>
               </a:ext>
             </a:extLst>
           </p:cNvPr>
@@ -15024,8 +15024,8 @@
         </p:blipFill>
         <p:spPr>
           <a:xfrm>
-            <a:off x="4457865" y="2628900"/>
-            <a:ext cx="14813280" cy="10401923"/>
+            <a:off x="5577840" y="2972534"/>
+            <a:ext cx="11910060" cy="9964251"/>
           </a:xfrm>
           <a:prstGeom prst="rect">
             <a:avLst/>
@@ -17878,7 +17878,7 @@
           </a:ln>
           <a:extLst>
             <a:ext uri="{C572A759-6A51-4108-AA02-DFA0A04FC94B}">
-              <ma14:wrappingTextBoxFlag xmlns:m="http://schemas.openxmlformats.org/officeDocument/2006/math" xmlns:a14="http://schemas.microsoft.com/office/drawing/2010/main" xmlns:ma14="http://schemas.microsoft.com/office/mac/drawingml/2011/main" xmlns="" val="1"/>
+              <ma14:wrappingTextBoxFlag xmlns="" xmlns:ma14="http://schemas.microsoft.com/office/mac/drawingml/2011/main" xmlns:a14="http://schemas.microsoft.com/office/drawing/2010/main" xmlns:m="http://schemas.openxmlformats.org/officeDocument/2006/math" val="1"/>
             </a:ext>
           </a:extLst>
         </p:spPr>
